--- a/Lecture/Lecture 16/Lecture 16.pptx
+++ b/Lecture/Lecture 16/Lecture 16.pptx
@@ -299,7 +299,7 @@
               <a:pPr>
                 <a:defRPr/>
               </a:pPr>
-              <a:t>10/3/2018</a:t>
+              <a:t>2/14/2019</a:t>
             </a:fld>
             <a:endParaRPr lang="en-US" dirty="0"/>
           </a:p>
@@ -511,7 +511,7 @@
               <a:pPr>
                 <a:defRPr/>
               </a:pPr>
-              <a:t>10/3/2018</a:t>
+              <a:t>2/14/2019</a:t>
             </a:fld>
             <a:endParaRPr lang="en-US" dirty="0"/>
           </a:p>
@@ -1030,7 +1030,7 @@
               <a:pPr>
                 <a:defRPr/>
               </a:pPr>
-              <a:t>10/3/2018</a:t>
+              <a:t>2/14/2019</a:t>
             </a:fld>
             <a:endParaRPr lang="en-US" dirty="0"/>
           </a:p>
@@ -1220,7 +1220,7 @@
               <a:pPr>
                 <a:defRPr/>
               </a:pPr>
-              <a:t>10/3/2018</a:t>
+              <a:t>2/14/2019</a:t>
             </a:fld>
             <a:endParaRPr lang="en-US" dirty="0"/>
           </a:p>
@@ -1420,7 +1420,7 @@
               <a:pPr>
                 <a:defRPr/>
               </a:pPr>
-              <a:t>10/3/2018</a:t>
+              <a:t>2/14/2019</a:t>
             </a:fld>
             <a:endParaRPr lang="en-US" dirty="0"/>
           </a:p>
@@ -1688,7 +1688,7 @@
               <a:pPr>
                 <a:defRPr/>
               </a:pPr>
-              <a:t>10/3/2018</a:t>
+              <a:t>2/14/2019</a:t>
             </a:fld>
             <a:endParaRPr lang="en-US" dirty="0">
               <a:solidFill>
@@ -1902,7 +1902,7 @@
               <a:pPr>
                 <a:defRPr/>
               </a:pPr>
-              <a:t>10/3/2018</a:t>
+              <a:t>2/14/2019</a:t>
             </a:fld>
             <a:endParaRPr lang="en-US" dirty="0">
               <a:solidFill>
@@ -2193,7 +2193,7 @@
               <a:pPr>
                 <a:defRPr/>
               </a:pPr>
-              <a:t>10/3/2018</a:t>
+              <a:t>2/14/2019</a:t>
             </a:fld>
             <a:endParaRPr lang="en-US" dirty="0">
               <a:solidFill>
@@ -2524,7 +2524,7 @@
               <a:pPr>
                 <a:defRPr/>
               </a:pPr>
-              <a:t>10/3/2018</a:t>
+              <a:t>2/14/2019</a:t>
             </a:fld>
             <a:endParaRPr lang="en-US" dirty="0">
               <a:solidFill>
@@ -2989,7 +2989,7 @@
               <a:pPr>
                 <a:defRPr/>
               </a:pPr>
-              <a:t>10/3/2018</a:t>
+              <a:t>2/14/2019</a:t>
             </a:fld>
             <a:endParaRPr lang="en-US" dirty="0">
               <a:solidFill>
@@ -3152,7 +3152,7 @@
               <a:pPr>
                 <a:defRPr/>
               </a:pPr>
-              <a:t>10/3/2018</a:t>
+              <a:t>2/14/2019</a:t>
             </a:fld>
             <a:endParaRPr lang="en-US" dirty="0">
               <a:solidFill>
@@ -3293,7 +3293,7 @@
               <a:pPr>
                 <a:defRPr/>
               </a:pPr>
-              <a:t>10/3/2018</a:t>
+              <a:t>2/14/2019</a:t>
             </a:fld>
             <a:endParaRPr lang="en-US" dirty="0">
               <a:solidFill>
@@ -3614,7 +3614,7 @@
               <a:pPr>
                 <a:defRPr/>
               </a:pPr>
-              <a:t>10/3/2018</a:t>
+              <a:t>2/14/2019</a:t>
             </a:fld>
             <a:endParaRPr lang="en-US" dirty="0">
               <a:solidFill>
@@ -3822,7 +3822,7 @@
               <a:pPr>
                 <a:defRPr/>
               </a:pPr>
-              <a:t>10/3/2018</a:t>
+              <a:t>2/14/2019</a:t>
             </a:fld>
             <a:endParaRPr lang="en-US" dirty="0"/>
           </a:p>
@@ -4105,7 +4105,7 @@
               <a:pPr>
                 <a:defRPr/>
               </a:pPr>
-              <a:t>10/3/2018</a:t>
+              <a:t>2/14/2019</a:t>
             </a:fld>
             <a:endParaRPr lang="en-US" dirty="0">
               <a:solidFill>
@@ -4319,7 +4319,7 @@
               <a:pPr>
                 <a:defRPr/>
               </a:pPr>
-              <a:t>10/3/2018</a:t>
+              <a:t>2/14/2019</a:t>
             </a:fld>
             <a:endParaRPr lang="en-US" dirty="0">
               <a:solidFill>
@@ -4543,7 +4543,7 @@
               <a:pPr>
                 <a:defRPr/>
               </a:pPr>
-              <a:t>10/3/2018</a:t>
+              <a:t>2/14/2019</a:t>
             </a:fld>
             <a:endParaRPr lang="en-US" dirty="0">
               <a:solidFill>
@@ -4753,7 +4753,7 @@
               <a:pPr>
                 <a:defRPr/>
               </a:pPr>
-              <a:t>10/3/2018</a:t>
+              <a:t>2/14/2019</a:t>
             </a:fld>
             <a:endParaRPr lang="en-US" dirty="0">
               <a:solidFill>
@@ -5030,7 +5030,7 @@
               <a:pPr>
                 <a:defRPr/>
               </a:pPr>
-              <a:t>10/3/2018</a:t>
+              <a:t>2/14/2019</a:t>
             </a:fld>
             <a:endParaRPr lang="en-US" dirty="0"/>
           </a:p>
@@ -5337,7 +5337,7 @@
               <a:pPr>
                 <a:defRPr/>
               </a:pPr>
-              <a:t>10/3/2018</a:t>
+              <a:t>2/14/2019</a:t>
             </a:fld>
             <a:endParaRPr lang="en-US" dirty="0"/>
           </a:p>
@@ -5778,7 +5778,7 @@
               <a:pPr>
                 <a:defRPr/>
               </a:pPr>
-              <a:t>10/3/2018</a:t>
+              <a:t>2/14/2019</a:t>
             </a:fld>
             <a:endParaRPr lang="en-US" dirty="0"/>
           </a:p>
@@ -5917,7 +5917,7 @@
               <a:pPr>
                 <a:defRPr/>
               </a:pPr>
-              <a:t>10/3/2018</a:t>
+              <a:t>2/14/2019</a:t>
             </a:fld>
             <a:endParaRPr lang="en-US" dirty="0"/>
           </a:p>
@@ -6034,7 +6034,7 @@
               <a:pPr>
                 <a:defRPr/>
               </a:pPr>
-              <a:t>10/3/2018</a:t>
+              <a:t>2/14/2019</a:t>
             </a:fld>
             <a:endParaRPr lang="en-US" dirty="0"/>
           </a:p>
@@ -6331,7 +6331,7 @@
               <a:pPr>
                 <a:defRPr/>
               </a:pPr>
-              <a:t>10/3/2018</a:t>
+              <a:t>2/14/2019</a:t>
             </a:fld>
             <a:endParaRPr lang="en-US" dirty="0"/>
           </a:p>
@@ -6608,7 +6608,7 @@
               <a:pPr>
                 <a:defRPr/>
               </a:pPr>
-              <a:t>10/3/2018</a:t>
+              <a:t>2/14/2019</a:t>
             </a:fld>
             <a:endParaRPr lang="en-US" dirty="0"/>
           </a:p>
@@ -6865,7 +6865,7 @@
               <a:pPr>
                 <a:defRPr/>
               </a:pPr>
-              <a:t>10/3/2018</a:t>
+              <a:t>2/14/2019</a:t>
             </a:fld>
             <a:endParaRPr lang="en-US" dirty="0"/>
           </a:p>
@@ -7575,7 +7575,7 @@
               <a:pPr>
                 <a:defRPr/>
               </a:pPr>
-              <a:t>10/3/2018</a:t>
+              <a:t>2/14/2019</a:t>
             </a:fld>
             <a:endParaRPr lang="en-US" dirty="0">
               <a:solidFill>
@@ -11887,7 +11887,7 @@
         <p:spPr>
           <a:xfrm>
             <a:off x="3810000" y="621916"/>
-            <a:ext cx="5273842" cy="6370975"/>
+            <a:ext cx="5273842" cy="6740307"/>
           </a:xfrm>
           <a:prstGeom prst="rect">
             <a:avLst/>
@@ -12120,64 +12120,11 @@
               <a:tabLst/>
               <a:defRPr/>
             </a:pPr>
-            <a:r>
-              <a:rPr lang="en-US" dirty="0">
-                <a:solidFill>
-                  <a:srgbClr val="404040"/>
-                </a:solidFill>
-              </a:rPr>
-              <a:t>Step 2: Questions?</a:t>
-            </a:r>
-          </a:p>
-          <a:p>
-            <a:pPr marR="0" lvl="0" algn="l" defTabSz="457200" rtl="0" eaLnBrk="1" fontAlgn="base" latinLnBrk="0" hangingPunct="1">
-              <a:lnSpc>
-                <a:spcPct val="100000"/>
-              </a:lnSpc>
-              <a:spcBef>
-                <a:spcPct val="0"/>
-              </a:spcBef>
-              <a:spcAft>
-                <a:spcPct val="0"/>
-              </a:spcAft>
-              <a:buClrTx/>
-              <a:buSzTx/>
-              <a:tabLst/>
-              <a:defRPr/>
-            </a:pPr>
             <a:endParaRPr lang="en-US" dirty="0">
               <a:solidFill>
                 <a:srgbClr val="404040"/>
               </a:solidFill>
             </a:endParaRPr>
-          </a:p>
-          <a:p>
-            <a:pPr marL="800100" lvl="1" indent="-342900">
-              <a:buFont typeface="Arial" panose="020B0604020202020204" pitchFamily="34" charset="0"/>
-              <a:buChar char="•"/>
-            </a:pPr>
-            <a:r>
-              <a:rPr lang="en-US" dirty="0">
-                <a:solidFill>
-                  <a:srgbClr val="404040"/>
-                </a:solidFill>
-              </a:rPr>
-              <a:t>What is the Connection to Violent Crimes?</a:t>
-            </a:r>
-          </a:p>
-          <a:p>
-            <a:pPr marL="800100" lvl="1" indent="-342900">
-              <a:buFont typeface="Arial" panose="020B0604020202020204" pitchFamily="34" charset="0"/>
-              <a:buChar char="•"/>
-            </a:pPr>
-            <a:r>
-              <a:rPr lang="en-US" dirty="0">
-                <a:solidFill>
-                  <a:srgbClr val="404040"/>
-                </a:solidFill>
-              </a:rPr>
-              <a:t>How is this Useful When Related to Violent Crimes?</a:t>
-            </a:r>
           </a:p>
           <a:p>
             <a:pPr marL="342900" marR="0" lvl="0" indent="-342900" algn="l" defTabSz="457200" rtl="0" eaLnBrk="1" fontAlgn="base" latinLnBrk="0" hangingPunct="1">
@@ -12197,6 +12144,83 @@
               <a:tabLst/>
               <a:defRPr/>
             </a:pPr>
+            <a:r>
+              <a:rPr lang="en-US" dirty="0">
+                <a:solidFill>
+                  <a:srgbClr val="404040"/>
+                </a:solidFill>
+              </a:rPr>
+              <a:t>Step 2: Questions?</a:t>
+            </a:r>
+          </a:p>
+          <a:p>
+            <a:pPr marR="0" lvl="0" algn="l" defTabSz="457200" rtl="0" eaLnBrk="1" fontAlgn="base" latinLnBrk="0" hangingPunct="1">
+              <a:lnSpc>
+                <a:spcPct val="100000"/>
+              </a:lnSpc>
+              <a:spcBef>
+                <a:spcPct val="0"/>
+              </a:spcBef>
+              <a:spcAft>
+                <a:spcPct val="0"/>
+              </a:spcAft>
+              <a:buClrTx/>
+              <a:buSzTx/>
+              <a:tabLst/>
+              <a:defRPr/>
+            </a:pPr>
+            <a:endParaRPr lang="en-US" dirty="0">
+              <a:solidFill>
+                <a:srgbClr val="404040"/>
+              </a:solidFill>
+            </a:endParaRPr>
+          </a:p>
+          <a:p>
+            <a:pPr marL="800100" lvl="1" indent="-342900">
+              <a:buFont typeface="Arial" panose="020B0604020202020204" pitchFamily="34" charset="0"/>
+              <a:buChar char="•"/>
+            </a:pPr>
+            <a:r>
+              <a:rPr lang="en-US" dirty="0">
+                <a:solidFill>
+                  <a:srgbClr val="404040"/>
+                </a:solidFill>
+              </a:rPr>
+              <a:t>What is the Connection to Violent Crimes?</a:t>
+            </a:r>
+          </a:p>
+          <a:p>
+            <a:pPr marL="800100" lvl="1" indent="-342900">
+              <a:buFont typeface="Arial" panose="020B0604020202020204" pitchFamily="34" charset="0"/>
+              <a:buChar char="•"/>
+            </a:pPr>
+            <a:r>
+              <a:rPr lang="en-US" dirty="0">
+                <a:solidFill>
+                  <a:srgbClr val="404040"/>
+                </a:solidFill>
+              </a:rPr>
+              <a:t>How is this Useful When Related to Violent Crimes?</a:t>
+            </a:r>
+          </a:p>
+          <a:p>
+            <a:pPr marL="342900" marR="0" lvl="0" indent="-342900" algn="l" defTabSz="457200" rtl="0" eaLnBrk="1" fontAlgn="base" latinLnBrk="0" hangingPunct="1">
+              <a:lnSpc>
+                <a:spcPct val="100000"/>
+              </a:lnSpc>
+              <a:spcBef>
+                <a:spcPct val="0"/>
+              </a:spcBef>
+              <a:spcAft>
+                <a:spcPct val="0"/>
+              </a:spcAft>
+              <a:buClrTx/>
+              <a:buSzTx/>
+              <a:buFont typeface="Arial" panose="020B0604020202020204" pitchFamily="34" charset="0"/>
+              <a:buChar char="•"/>
+              <a:tabLst/>
+              <a:defRPr/>
+            </a:pPr>
             <a:endParaRPr kumimoji="0" lang="en-US" sz="2400" b="0" i="0" u="none" strike="noStrike" kern="1200" cap="none" spc="0" normalizeH="0" baseline="0" noProof="0" dirty="0">
               <a:ln>
                 <a:noFill/>
@@ -12259,10 +12283,10 @@
       </p:sp>
       <p:pic>
         <p:nvPicPr>
-          <p:cNvPr id="3" name="Picture 2">
+          <p:cNvPr id="5" name="Picture 4">
             <a:extLst>
               <a:ext uri="{FF2B5EF4-FFF2-40B4-BE49-F238E27FC236}">
-                <a16:creationId xmlns:a16="http://schemas.microsoft.com/office/drawing/2014/main" id="{0D13955E-C19A-4D51-8C88-2BD93AEF7598}"/>
+                <a16:creationId xmlns:a16="http://schemas.microsoft.com/office/drawing/2014/main" id="{F933E6ED-A14C-42F4-9934-E1A039439A3D}"/>
               </a:ext>
             </a:extLst>
           </p:cNvPr>
@@ -12279,8 +12303,8 @@
         </p:blipFill>
         <p:spPr>
           <a:xfrm>
-            <a:off x="3548946" y="1600200"/>
-            <a:ext cx="5534896" cy="1828800"/>
+            <a:off x="3631524" y="1442124"/>
+            <a:ext cx="5399646" cy="2291676"/>
           </a:xfrm>
           <a:prstGeom prst="rect">
             <a:avLst/>
@@ -12678,7 +12702,7 @@
                   <a:srgbClr val="404040"/>
                 </a:solidFill>
               </a:rPr>
-              <a:t>What is required to convert the 2018 Density to a numeric variable?</a:t>
+              <a:t>What is required to convert the 2019 Density to a numeric variable?</a:t>
             </a:r>
           </a:p>
           <a:p>
@@ -12752,7 +12776,7 @@
                 <a:latin typeface="Arial" charset="0"/>
                 <a:ea typeface="ＭＳ Ｐゴシック" charset="-128"/>
               </a:rPr>
-              <a:t>Notice: \\/(.*)</a:t>
+              <a:t>Notice: /.*</a:t>
             </a:r>
           </a:p>
           <a:p>

--- a/Lecture/Lecture 16/Lecture 16.pptx
+++ b/Lecture/Lecture 16/Lecture 16.pptx
@@ -14641,13 +14641,15 @@
               </a:ext>
             </a:extLst>
           </p:cNvPr>
-          <p:cNvCxnSpPr/>
+          <p:cNvCxnSpPr>
+            <a:cxnSpLocks/>
+          </p:cNvCxnSpPr>
           <p:nvPr/>
         </p:nvCxnSpPr>
         <p:spPr>
           <a:xfrm>
-            <a:off x="7391400" y="2514600"/>
-            <a:ext cx="533400" cy="457200"/>
+            <a:off x="7696200" y="2826925"/>
+            <a:ext cx="609600" cy="525875"/>
           </a:xfrm>
           <a:prstGeom prst="straightConnector1">
             <a:avLst/>
